--- a/project/Project presenation/Project Final A.pptx
+++ b/project/Project presenation/Project Final A.pptx
@@ -23,9 +23,9 @@
     <p:sldId id="288" r:id="rId14"/>
     <p:sldId id="289" r:id="rId15"/>
     <p:sldId id="290" r:id="rId16"/>
-    <p:sldId id="291" r:id="rId17"/>
-    <p:sldId id="293" r:id="rId18"/>
-    <p:sldId id="297" r:id="rId19"/>
+    <p:sldId id="297" r:id="rId17"/>
+    <p:sldId id="291" r:id="rId18"/>
+    <p:sldId id="293" r:id="rId19"/>
     <p:sldId id="294" r:id="rId20"/>
     <p:sldId id="295" r:id="rId21"/>
     <p:sldId id="296" r:id="rId22"/>
@@ -217,7 +217,7 @@
           <a:p>
             <a:fld id="{9782C575-03A1-41E5-8DAB-28FF6A18294E}" type="datetimeFigureOut">
               <a:rPr lang="en-US" smtClean="0"/>
-              <a:t>9/6/2024</a:t>
+              <a:t>9/9/2024</a:t>
             </a:fld>
             <a:endParaRPr lang="en-US"/>
           </a:p>
@@ -894,7 +894,7 @@
     </p:spTree>
     <p:extLst>
       <p:ext uri="{BB962C8B-B14F-4D97-AF65-F5344CB8AC3E}">
-        <p14:creationId xmlns:p14="http://schemas.microsoft.com/office/powerpoint/2010/main" val="2393588949"/>
+        <p14:creationId xmlns:p14="http://schemas.microsoft.com/office/powerpoint/2010/main" val="2242642851"/>
       </p:ext>
     </p:extLst>
   </p:cSld>
@@ -978,7 +978,7 @@
     </p:spTree>
     <p:extLst>
       <p:ext uri="{BB962C8B-B14F-4D97-AF65-F5344CB8AC3E}">
-        <p14:creationId xmlns:p14="http://schemas.microsoft.com/office/powerpoint/2010/main" val="2854028515"/>
+        <p14:creationId xmlns:p14="http://schemas.microsoft.com/office/powerpoint/2010/main" val="2393588949"/>
       </p:ext>
     </p:extLst>
   </p:cSld>
@@ -1062,7 +1062,7 @@
     </p:spTree>
     <p:extLst>
       <p:ext uri="{BB962C8B-B14F-4D97-AF65-F5344CB8AC3E}">
-        <p14:creationId xmlns:p14="http://schemas.microsoft.com/office/powerpoint/2010/main" val="2242642851"/>
+        <p14:creationId xmlns:p14="http://schemas.microsoft.com/office/powerpoint/2010/main" val="2854028515"/>
       </p:ext>
     </p:extLst>
   </p:cSld>
@@ -2143,7 +2143,7 @@
           <a:p>
             <a:fld id="{B59CE501-2A04-4213-AF2C-9D22AC1421F1}" type="datetimeFigureOut">
               <a:rPr lang="en-US" smtClean="0"/>
-              <a:t>9/6/2024</a:t>
+              <a:t>9/9/2024</a:t>
             </a:fld>
             <a:endParaRPr lang="en-US"/>
           </a:p>
@@ -2341,7 +2341,7 @@
           <a:p>
             <a:fld id="{B59CE501-2A04-4213-AF2C-9D22AC1421F1}" type="datetimeFigureOut">
               <a:rPr lang="en-US" smtClean="0"/>
-              <a:t>9/6/2024</a:t>
+              <a:t>9/9/2024</a:t>
             </a:fld>
             <a:endParaRPr lang="en-US"/>
           </a:p>
@@ -2549,7 +2549,7 @@
           <a:p>
             <a:fld id="{B59CE501-2A04-4213-AF2C-9D22AC1421F1}" type="datetimeFigureOut">
               <a:rPr lang="en-US" smtClean="0"/>
-              <a:t>9/6/2024</a:t>
+              <a:t>9/9/2024</a:t>
             </a:fld>
             <a:endParaRPr lang="en-US"/>
           </a:p>
@@ -2747,7 +2747,7 @@
           <a:p>
             <a:fld id="{B59CE501-2A04-4213-AF2C-9D22AC1421F1}" type="datetimeFigureOut">
               <a:rPr lang="en-US" smtClean="0"/>
-              <a:t>9/6/2024</a:t>
+              <a:t>9/9/2024</a:t>
             </a:fld>
             <a:endParaRPr lang="en-US"/>
           </a:p>
@@ -3022,7 +3022,7 @@
           <a:p>
             <a:fld id="{B59CE501-2A04-4213-AF2C-9D22AC1421F1}" type="datetimeFigureOut">
               <a:rPr lang="en-US" smtClean="0"/>
-              <a:t>9/6/2024</a:t>
+              <a:t>9/9/2024</a:t>
             </a:fld>
             <a:endParaRPr lang="en-US"/>
           </a:p>
@@ -3287,7 +3287,7 @@
           <a:p>
             <a:fld id="{B59CE501-2A04-4213-AF2C-9D22AC1421F1}" type="datetimeFigureOut">
               <a:rPr lang="en-US" smtClean="0"/>
-              <a:t>9/6/2024</a:t>
+              <a:t>9/9/2024</a:t>
             </a:fld>
             <a:endParaRPr lang="en-US"/>
           </a:p>
@@ -3699,7 +3699,7 @@
           <a:p>
             <a:fld id="{B59CE501-2A04-4213-AF2C-9D22AC1421F1}" type="datetimeFigureOut">
               <a:rPr lang="en-US" smtClean="0"/>
-              <a:t>9/6/2024</a:t>
+              <a:t>9/9/2024</a:t>
             </a:fld>
             <a:endParaRPr lang="en-US"/>
           </a:p>
@@ -3840,7 +3840,7 @@
           <a:p>
             <a:fld id="{B59CE501-2A04-4213-AF2C-9D22AC1421F1}" type="datetimeFigureOut">
               <a:rPr lang="en-US" smtClean="0"/>
-              <a:t>9/6/2024</a:t>
+              <a:t>9/9/2024</a:t>
             </a:fld>
             <a:endParaRPr lang="en-US"/>
           </a:p>
@@ -3953,7 +3953,7 @@
           <a:p>
             <a:fld id="{B59CE501-2A04-4213-AF2C-9D22AC1421F1}" type="datetimeFigureOut">
               <a:rPr lang="en-US" smtClean="0"/>
-              <a:t>9/6/2024</a:t>
+              <a:t>9/9/2024</a:t>
             </a:fld>
             <a:endParaRPr lang="en-US"/>
           </a:p>
@@ -4264,7 +4264,7 @@
           <a:p>
             <a:fld id="{B59CE501-2A04-4213-AF2C-9D22AC1421F1}" type="datetimeFigureOut">
               <a:rPr lang="en-US" smtClean="0"/>
-              <a:t>9/6/2024</a:t>
+              <a:t>9/9/2024</a:t>
             </a:fld>
             <a:endParaRPr lang="en-US"/>
           </a:p>
@@ -4552,7 +4552,7 @@
           <a:p>
             <a:fld id="{B59CE501-2A04-4213-AF2C-9D22AC1421F1}" type="datetimeFigureOut">
               <a:rPr lang="en-US" smtClean="0"/>
-              <a:t>9/6/2024</a:t>
+              <a:t>9/9/2024</a:t>
             </a:fld>
             <a:endParaRPr lang="en-US"/>
           </a:p>
@@ -4793,7 +4793,7 @@
           <a:p>
             <a:fld id="{B59CE501-2A04-4213-AF2C-9D22AC1421F1}" type="datetimeFigureOut">
               <a:rPr lang="en-US" smtClean="0"/>
-              <a:t>9/6/2024</a:t>
+              <a:t>9/9/2024</a:t>
             </a:fld>
             <a:endParaRPr lang="en-US"/>
           </a:p>
@@ -11297,7 +11297,7 @@
                 <a:latin typeface="Times New Roman" panose="02020603050405020304" pitchFamily="18" charset="0"/>
                 <a:cs typeface="Times New Roman" panose="02020603050405020304" pitchFamily="18" charset="0"/>
               </a:rPr>
-              <a:t>Testing Setup</a:t>
+              <a:t>Preliminary Testing Setup</a:t>
             </a:r>
             <a:endParaRPr lang="he-IL" sz="4800" b="1" dirty="0">
               <a:latin typeface="Times New Roman" panose="02020603050405020304" pitchFamily="18" charset="0"/>
@@ -14044,85 +14044,6 @@
       </p:grpSpPr>
       <p:sp>
         <p:nvSpPr>
-          <p:cNvPr id="2" name="כותרת 1">
-            <a:extLst>
-              <a:ext uri="{FF2B5EF4-FFF2-40B4-BE49-F238E27FC236}">
-                <a16:creationId xmlns:a16="http://schemas.microsoft.com/office/drawing/2014/main" id="{F05DF143-DAD3-F478-84CB-4191F0579509}"/>
-              </a:ext>
-            </a:extLst>
-          </p:cNvPr>
-          <p:cNvSpPr>
-            <a:spLocks noGrp="1"/>
-          </p:cNvSpPr>
-          <p:nvPr>
-            <p:ph type="title"/>
-          </p:nvPr>
-        </p:nvSpPr>
-        <p:spPr>
-          <a:xfrm>
-            <a:off x="176851" y="789544"/>
-            <a:ext cx="10515600" cy="1325563"/>
-          </a:xfrm>
-        </p:spPr>
-        <p:txBody>
-          <a:bodyPr>
-            <a:normAutofit/>
-          </a:bodyPr>
-          <a:lstStyle/>
-          <a:p>
-            <a:r>
-              <a:rPr lang="en-US" sz="4800" b="1" dirty="0">
-                <a:latin typeface="Times New Roman" panose="02020603050405020304" pitchFamily="18" charset="0"/>
-                <a:cs typeface="Times New Roman" panose="02020603050405020304" pitchFamily="18" charset="0"/>
-              </a:rPr>
-              <a:t>Results Average algorithm Comparison</a:t>
-            </a:r>
-            <a:endParaRPr lang="he-IL" sz="4800" b="1" dirty="0">
-              <a:latin typeface="Times New Roman" panose="02020603050405020304" pitchFamily="18" charset="0"/>
-              <a:ea typeface="Yu Gothic Light" panose="020B0300000000000000" pitchFamily="34" charset="-128"/>
-              <a:cs typeface="Times New Roman" panose="02020603050405020304" pitchFamily="18" charset="0"/>
-            </a:endParaRPr>
-          </a:p>
-        </p:txBody>
-      </p:sp>
-      <p:pic>
-        <p:nvPicPr>
-          <p:cNvPr id="5" name="Picture 4">
-            <a:extLst>
-              <a:ext uri="{FF2B5EF4-FFF2-40B4-BE49-F238E27FC236}">
-                <a16:creationId xmlns:a16="http://schemas.microsoft.com/office/drawing/2014/main" id="{54CFBE00-45A3-0F6A-3FDB-21E8D0B12CEF}"/>
-              </a:ext>
-            </a:extLst>
-          </p:cNvPr>
-          <p:cNvPicPr>
-            <a:picLocks noChangeAspect="1"/>
-          </p:cNvPicPr>
-          <p:nvPr/>
-        </p:nvPicPr>
-        <p:blipFill>
-          <a:blip r:embed="rId3" cstate="print">
-            <a:extLst>
-              <a:ext uri="{28A0092B-C50C-407E-A947-70E740481C1C}">
-                <a14:useLocalDpi xmlns:a14="http://schemas.microsoft.com/office/drawing/2010/main" val="0"/>
-              </a:ext>
-            </a:extLst>
-          </a:blip>
-          <a:stretch>
-            <a:fillRect/>
-          </a:stretch>
-        </p:blipFill>
-        <p:spPr>
-          <a:xfrm>
-            <a:off x="0" y="85806"/>
-            <a:ext cx="3060198" cy="722377"/>
-          </a:xfrm>
-          <a:prstGeom prst="rect">
-            <a:avLst/>
-          </a:prstGeom>
-        </p:spPr>
-      </p:pic>
-      <p:sp>
-        <p:nvSpPr>
           <p:cNvPr id="50" name="Slide Number Placeholder 3">
             <a:extLst>
               <a:ext uri="{FF2B5EF4-FFF2-40B4-BE49-F238E27FC236}">
@@ -14357,8 +14278,8 @@
         </p:nvSpPr>
         <p:spPr>
           <a:xfrm>
-            <a:off x="956506" y="5922990"/>
-            <a:ext cx="6217462" cy="288000"/>
+            <a:off x="956505" y="5922990"/>
+            <a:ext cx="6369275" cy="288000"/>
           </a:xfrm>
           <a:prstGeom prst="roundRect">
             <a:avLst>
@@ -15202,22 +15123,94 @@
           </a:p>
         </p:txBody>
       </p:sp>
+      <p:sp>
+        <p:nvSpPr>
+          <p:cNvPr id="4" name="TextBox 3">
+            <a:extLst>
+              <a:ext uri="{FF2B5EF4-FFF2-40B4-BE49-F238E27FC236}">
+                <a16:creationId xmlns:a16="http://schemas.microsoft.com/office/drawing/2014/main" id="{7CB8C861-B527-9F67-03A7-9F571641519E}"/>
+              </a:ext>
+            </a:extLst>
+          </p:cNvPr>
+          <p:cNvSpPr txBox="1"/>
+          <p:nvPr/>
+        </p:nvSpPr>
+        <p:spPr>
+          <a:xfrm>
+            <a:off x="7050208" y="6421409"/>
+            <a:ext cx="1132151" cy="261610"/>
+          </a:xfrm>
+          <a:prstGeom prst="rect">
+            <a:avLst/>
+          </a:prstGeom>
+          <a:noFill/>
+        </p:spPr>
+        <p:txBody>
+          <a:bodyPr wrap="square" rtlCol="0">
+            <a:spAutoFit/>
+          </a:bodyPr>
+          <a:lstStyle/>
+          <a:p>
+            <a:r>
+              <a:rPr lang="en-US" sz="1100" b="1" dirty="0">
+                <a:latin typeface="Century Gothic" panose="020B0502020202020204" pitchFamily="34" charset="0"/>
+              </a:rPr>
+              <a:t>Conclusion</a:t>
+            </a:r>
+          </a:p>
+        </p:txBody>
+      </p:sp>
+      <p:sp>
+        <p:nvSpPr>
+          <p:cNvPr id="9" name="TextBox 8">
+            <a:extLst>
+              <a:ext uri="{FF2B5EF4-FFF2-40B4-BE49-F238E27FC236}">
+                <a16:creationId xmlns:a16="http://schemas.microsoft.com/office/drawing/2014/main" id="{56E3341E-0E59-9B4C-E14E-F08EF0697076}"/>
+              </a:ext>
+            </a:extLst>
+          </p:cNvPr>
+          <p:cNvSpPr txBox="1"/>
+          <p:nvPr/>
+        </p:nvSpPr>
+        <p:spPr>
+          <a:xfrm>
+            <a:off x="8067841" y="6421409"/>
+            <a:ext cx="1089016" cy="261610"/>
+          </a:xfrm>
+          <a:prstGeom prst="rect">
+            <a:avLst/>
+          </a:prstGeom>
+          <a:noFill/>
+        </p:spPr>
+        <p:txBody>
+          <a:bodyPr wrap="square" rtlCol="0">
+            <a:spAutoFit/>
+          </a:bodyPr>
+          <a:lstStyle/>
+          <a:p>
+            <a:r>
+              <a:rPr lang="en-US" sz="1100" b="1" dirty="0">
+                <a:latin typeface="Century Gothic" panose="020B0502020202020204" pitchFamily="34" charset="0"/>
+              </a:rPr>
+              <a:t>Future Work</a:t>
+            </a:r>
+          </a:p>
+        </p:txBody>
+      </p:sp>
       <p:pic>
         <p:nvPicPr>
-          <p:cNvPr id="10" name="תמונה 15">
-            <a:extLst>
-              <a:ext uri="{FF2B5EF4-FFF2-40B4-BE49-F238E27FC236}">
-                <a16:creationId xmlns:a16="http://schemas.microsoft.com/office/drawing/2014/main" id="{BDDF5B94-CE05-3B05-4DF0-6CEDDBA6AA49}"/>
-              </a:ext>
-            </a:extLst>
-          </p:cNvPr>
-          <p:cNvPicPr>
-            <a:picLocks noChangeAspect="1"/>
-          </p:cNvPicPr>
+          <p:cNvPr id="30" name="תמונה 29">
+            <a:extLst>
+              <a:ext uri="{FF2B5EF4-FFF2-40B4-BE49-F238E27FC236}">
+                <a16:creationId xmlns:a16="http://schemas.microsoft.com/office/drawing/2014/main" id="{28D594E7-C65F-4272-AC7B-8FB213D4BB14}"/>
+              </a:ext>
+            </a:extLst>
+          </p:cNvPr>
+          <p:cNvPicPr/>
           <p:nvPr/>
         </p:nvPicPr>
         <p:blipFill>
-          <a:blip r:embed="rId4">
+          <a:blip r:embed="rId3">
             <a:extLst>
               <a:ext uri="{28A0092B-C50C-407E-A947-70E740481C1C}">
                 <a14:useLocalDpi xmlns:a14="http://schemas.microsoft.com/office/drawing/2010/main" val="0"/>
@@ -15230,94 +15223,34 @@
         </p:blipFill>
         <p:spPr>
           <a:xfrm>
-            <a:off x="2721992" y="1941564"/>
-            <a:ext cx="5524548" cy="3665852"/>
+            <a:off x="1693955" y="186517"/>
+            <a:ext cx="8195769" cy="5480787"/>
           </a:xfrm>
           <a:prstGeom prst="rect">
             <a:avLst/>
           </a:prstGeom>
+          <a:ln w="38100" cap="sq">
+            <a:solidFill>
+              <a:srgbClr val="000000"/>
+            </a:solidFill>
+            <a:prstDash val="solid"/>
+            <a:miter lim="800000"/>
+          </a:ln>
+          <a:effectLst>
+            <a:outerShdw blurRad="50800" dist="38100" dir="2700000" algn="tl" rotWithShape="0">
+              <a:srgbClr val="000000">
+                <a:alpha val="43000"/>
+              </a:srgbClr>
+            </a:outerShdw>
+          </a:effectLst>
         </p:spPr>
       </p:pic>
       <p:sp>
         <p:nvSpPr>
-          <p:cNvPr id="11" name="TextBox 10">
-            <a:extLst>
-              <a:ext uri="{FF2B5EF4-FFF2-40B4-BE49-F238E27FC236}">
-                <a16:creationId xmlns:a16="http://schemas.microsoft.com/office/drawing/2014/main" id="{7315EDDF-0313-ACD2-E3F2-B85DD30215B9}"/>
-              </a:ext>
-            </a:extLst>
-          </p:cNvPr>
-          <p:cNvSpPr txBox="1"/>
-          <p:nvPr/>
-        </p:nvSpPr>
-        <p:spPr>
-          <a:xfrm>
-            <a:off x="7050208" y="6421409"/>
-            <a:ext cx="1132151" cy="261610"/>
-          </a:xfrm>
-          <a:prstGeom prst="rect">
-            <a:avLst/>
-          </a:prstGeom>
-          <a:noFill/>
-        </p:spPr>
-        <p:txBody>
-          <a:bodyPr wrap="square" rtlCol="0">
-            <a:spAutoFit/>
-          </a:bodyPr>
-          <a:lstStyle/>
-          <a:p>
-            <a:r>
-              <a:rPr lang="en-US" sz="1100" b="1" dirty="0">
-                <a:latin typeface="Century Gothic" panose="020B0502020202020204" pitchFamily="34" charset="0"/>
-              </a:rPr>
-              <a:t>Conclusion</a:t>
-            </a:r>
-          </a:p>
-        </p:txBody>
-      </p:sp>
-      <p:sp>
-        <p:nvSpPr>
-          <p:cNvPr id="12" name="TextBox 11">
-            <a:extLst>
-              <a:ext uri="{FF2B5EF4-FFF2-40B4-BE49-F238E27FC236}">
-                <a16:creationId xmlns:a16="http://schemas.microsoft.com/office/drawing/2014/main" id="{E8362FE8-9442-97AE-2F1F-137B27704202}"/>
-              </a:ext>
-            </a:extLst>
-          </p:cNvPr>
-          <p:cNvSpPr txBox="1"/>
-          <p:nvPr/>
-        </p:nvSpPr>
-        <p:spPr>
-          <a:xfrm>
-            <a:off x="8067841" y="6421409"/>
-            <a:ext cx="1089016" cy="261610"/>
-          </a:xfrm>
-          <a:prstGeom prst="rect">
-            <a:avLst/>
-          </a:prstGeom>
-          <a:noFill/>
-        </p:spPr>
-        <p:txBody>
-          <a:bodyPr wrap="square" rtlCol="0">
-            <a:spAutoFit/>
-          </a:bodyPr>
-          <a:lstStyle/>
-          <a:p>
-            <a:r>
-              <a:rPr lang="en-US" sz="1100" b="1" dirty="0">
-                <a:latin typeface="Century Gothic" panose="020B0502020202020204" pitchFamily="34" charset="0"/>
-              </a:rPr>
-              <a:t>Future Work</a:t>
-            </a:r>
-          </a:p>
-        </p:txBody>
-      </p:sp>
-      <p:sp>
-        <p:nvSpPr>
-          <p:cNvPr id="28" name="TextBox 27">
-            <a:extLst>
-              <a:ext uri="{FF2B5EF4-FFF2-40B4-BE49-F238E27FC236}">
-                <a16:creationId xmlns:a16="http://schemas.microsoft.com/office/drawing/2014/main" id="{3D13771A-5859-4A45-B2EC-D780E10B7AD1}"/>
+          <p:cNvPr id="33" name="TextBox 32">
+            <a:extLst>
+              <a:ext uri="{FF2B5EF4-FFF2-40B4-BE49-F238E27FC236}">
+                <a16:creationId xmlns:a16="http://schemas.microsoft.com/office/drawing/2014/main" id="{E1E251C3-21B1-4A7F-9A9E-5AF48CF84598}"/>
               </a:ext>
             </a:extLst>
           </p:cNvPr>
@@ -15352,7 +15285,7 @@
     </p:spTree>
     <p:extLst>
       <p:ext uri="{BB962C8B-B14F-4D97-AF65-F5344CB8AC3E}">
-        <p14:creationId xmlns:p14="http://schemas.microsoft.com/office/powerpoint/2010/main" val="291209489"/>
+        <p14:creationId xmlns:p14="http://schemas.microsoft.com/office/powerpoint/2010/main" val="3480749065"/>
       </p:ext>
     </p:extLst>
   </p:cSld>
@@ -15412,7 +15345,7 @@
                 <a:latin typeface="Times New Roman" panose="02020603050405020304" pitchFamily="18" charset="0"/>
                 <a:cs typeface="Times New Roman" panose="02020603050405020304" pitchFamily="18" charset="0"/>
               </a:rPr>
-              <a:t>Algorithms Results</a:t>
+              <a:t>Results Average algorithm Comparison</a:t>
             </a:r>
             <a:endParaRPr lang="he-IL" sz="4800" b="1" dirty="0">
               <a:latin typeface="Times New Roman" panose="02020603050405020304" pitchFamily="18" charset="0"/>
@@ -16539,151 +16472,48 @@
           </a:p>
         </p:txBody>
       </p:sp>
-      <p:sp>
-        <p:nvSpPr>
-          <p:cNvPr id="3" name="מציין מיקום תוכן 2">
-            <a:extLst>
-              <a:ext uri="{FF2B5EF4-FFF2-40B4-BE49-F238E27FC236}">
-                <a16:creationId xmlns:a16="http://schemas.microsoft.com/office/drawing/2014/main" id="{4AE267B4-826E-EF56-5E6B-BEFF1191C500}"/>
-              </a:ext>
-            </a:extLst>
-          </p:cNvPr>
-          <p:cNvSpPr>
-            <a:spLocks noGrp="1"/>
-          </p:cNvSpPr>
-          <p:nvPr>
-            <p:ph idx="1"/>
-          </p:nvPr>
-        </p:nvSpPr>
-        <p:spPr>
-          <a:xfrm>
-            <a:off x="563889" y="2093730"/>
-            <a:ext cx="9801482" cy="3930594"/>
-          </a:xfrm>
-        </p:spPr>
-        <p:txBody>
-          <a:bodyPr>
-            <a:normAutofit/>
-          </a:bodyPr>
-          <a:lstStyle/>
-          <a:p>
-            <a:pPr algn="l" rtl="0"/>
-            <a:r>
-              <a:rPr lang="en-US" sz="2400" b="1" dirty="0">
-                <a:effectLst/>
-                <a:latin typeface="Times New Roman" panose="02020603050405020304" pitchFamily="18" charset="0"/>
-                <a:ea typeface="Calibri" panose="020F0502020204030204" pitchFamily="34" charset="0"/>
-                <a:cs typeface="Arial" panose="020B0604020202020204" pitchFamily="34" charset="0"/>
-              </a:rPr>
-              <a:t>RK4</a:t>
-            </a:r>
-            <a:r>
-              <a:rPr lang="en-US" sz="2400" dirty="0">
-                <a:effectLst/>
-                <a:latin typeface="Times New Roman" panose="02020603050405020304" pitchFamily="18" charset="0"/>
-                <a:ea typeface="Calibri" panose="020F0502020204030204" pitchFamily="34" charset="0"/>
-                <a:cs typeface="Arial" panose="020B0604020202020204" pitchFamily="34" charset="0"/>
-              </a:rPr>
-              <a:t>: showed the smallest average position difference, balancing accuracy and speed.</a:t>
-            </a:r>
-            <a:endParaRPr lang="en-US" sz="2400" dirty="0">
-              <a:effectLst/>
-              <a:latin typeface="Times New Roman" panose="02020603050405020304" pitchFamily="18" charset="0"/>
-              <a:ea typeface="Calibri" panose="020F0502020204030204" pitchFamily="34" charset="0"/>
-              <a:cs typeface="Times New Roman" panose="02020603050405020304" pitchFamily="18" charset="0"/>
-            </a:endParaRPr>
-          </a:p>
-          <a:p>
-            <a:r>
-              <a:rPr lang="en-US" sz="2400" b="1" dirty="0">
-                <a:latin typeface="Times New Roman" panose="02020603050405020304" pitchFamily="18" charset="0"/>
-                <a:cs typeface="Times New Roman" panose="02020603050405020304" pitchFamily="18" charset="0"/>
-              </a:rPr>
-              <a:t>RK8</a:t>
-            </a:r>
-            <a:r>
-              <a:rPr lang="en-US" sz="2400" dirty="0">
-                <a:latin typeface="Times New Roman" panose="02020603050405020304" pitchFamily="18" charset="0"/>
-                <a:cs typeface="Times New Roman" panose="02020603050405020304" pitchFamily="18" charset="0"/>
-              </a:rPr>
-              <a:t>: High accuracy, but with increased computational cost.</a:t>
-            </a:r>
-          </a:p>
-          <a:p>
-            <a:r>
-              <a:rPr lang="en-US" sz="2400" b="1" dirty="0">
-                <a:latin typeface="Times New Roman" panose="02020603050405020304" pitchFamily="18" charset="0"/>
-                <a:cs typeface="Times New Roman" panose="02020603050405020304" pitchFamily="18" charset="0"/>
-              </a:rPr>
-              <a:t>ODE45</a:t>
-            </a:r>
-            <a:r>
-              <a:rPr lang="en-US" sz="2400" dirty="0">
-                <a:latin typeface="Times New Roman" panose="02020603050405020304" pitchFamily="18" charset="0"/>
-                <a:cs typeface="Times New Roman" panose="02020603050405020304" pitchFamily="18" charset="0"/>
-              </a:rPr>
-              <a:t>: Efficient in terms of computation, but less accurate for satellite state propagation.</a:t>
-            </a:r>
-          </a:p>
-          <a:p>
-            <a:r>
-              <a:rPr lang="en-US" sz="2400" b="1" dirty="0">
-                <a:latin typeface="Times New Roman" panose="02020603050405020304" pitchFamily="18" charset="0"/>
-                <a:cs typeface="Times New Roman" panose="02020603050405020304" pitchFamily="18" charset="0"/>
-              </a:rPr>
-              <a:t>ODE78</a:t>
-            </a:r>
-            <a:r>
-              <a:rPr lang="en-US" sz="2400" dirty="0">
-                <a:latin typeface="Times New Roman" panose="02020603050405020304" pitchFamily="18" charset="0"/>
-                <a:cs typeface="Times New Roman" panose="02020603050405020304" pitchFamily="18" charset="0"/>
-              </a:rPr>
-              <a:t> and </a:t>
-            </a:r>
-            <a:r>
-              <a:rPr lang="en-US" sz="2400" b="1" dirty="0">
-                <a:latin typeface="Times New Roman" panose="02020603050405020304" pitchFamily="18" charset="0"/>
-                <a:cs typeface="Times New Roman" panose="02020603050405020304" pitchFamily="18" charset="0"/>
-              </a:rPr>
-              <a:t>ODE113</a:t>
-            </a:r>
-            <a:r>
-              <a:rPr lang="en-US" sz="2400" dirty="0">
-                <a:latin typeface="Times New Roman" panose="02020603050405020304" pitchFamily="18" charset="0"/>
-                <a:cs typeface="Times New Roman" panose="02020603050405020304" pitchFamily="18" charset="0"/>
-              </a:rPr>
-              <a:t>: Offered high accuracy with good computational performance, making them ideal for precise applications.</a:t>
-            </a:r>
-          </a:p>
-          <a:p>
-            <a:r>
-              <a:rPr lang="en-US" sz="2400" b="1" dirty="0">
-                <a:latin typeface="Times New Roman" panose="02020603050405020304" pitchFamily="18" charset="0"/>
-                <a:cs typeface="Times New Roman" panose="02020603050405020304" pitchFamily="18" charset="0"/>
-              </a:rPr>
-              <a:t>MPCI</a:t>
-            </a:r>
-            <a:r>
-              <a:rPr lang="en-US" sz="2400" dirty="0">
-                <a:latin typeface="Times New Roman" panose="02020603050405020304" pitchFamily="18" charset="0"/>
-                <a:cs typeface="Times New Roman" panose="02020603050405020304" pitchFamily="18" charset="0"/>
-              </a:rPr>
-              <a:t>: Provided high precision, but with longer execution times, requiring further optimization.</a:t>
-            </a:r>
-            <a:endParaRPr lang="en-US" sz="2400" dirty="0">
-              <a:latin typeface="Times New Roman" panose="02020603050405020304" pitchFamily="18" charset="0"/>
-              <a:ea typeface="Calibri" panose="020F0502020204030204" pitchFamily="34" charset="0"/>
-              <a:cs typeface="Times New Roman" panose="02020603050405020304" pitchFamily="18" charset="0"/>
-            </a:endParaRPr>
-          </a:p>
-        </p:txBody>
-      </p:sp>
-      <p:sp>
-        <p:nvSpPr>
-          <p:cNvPr id="4" name="TextBox 3">
-            <a:extLst>
-              <a:ext uri="{FF2B5EF4-FFF2-40B4-BE49-F238E27FC236}">
-                <a16:creationId xmlns:a16="http://schemas.microsoft.com/office/drawing/2014/main" id="{7CB8C861-B527-9F67-03A7-9F571641519E}"/>
+      <p:pic>
+        <p:nvPicPr>
+          <p:cNvPr id="10" name="תמונה 15">
+            <a:extLst>
+              <a:ext uri="{FF2B5EF4-FFF2-40B4-BE49-F238E27FC236}">
+                <a16:creationId xmlns:a16="http://schemas.microsoft.com/office/drawing/2014/main" id="{BDDF5B94-CE05-3B05-4DF0-6CEDDBA6AA49}"/>
+              </a:ext>
+            </a:extLst>
+          </p:cNvPr>
+          <p:cNvPicPr>
+            <a:picLocks noChangeAspect="1"/>
+          </p:cNvPicPr>
+          <p:nvPr/>
+        </p:nvPicPr>
+        <p:blipFill>
+          <a:blip r:embed="rId4">
+            <a:extLst>
+              <a:ext uri="{28A0092B-C50C-407E-A947-70E740481C1C}">
+                <a14:useLocalDpi xmlns:a14="http://schemas.microsoft.com/office/drawing/2010/main" val="0"/>
+              </a:ext>
+            </a:extLst>
+          </a:blip>
+          <a:stretch>
+            <a:fillRect/>
+          </a:stretch>
+        </p:blipFill>
+        <p:spPr>
+          <a:xfrm>
+            <a:off x="2721992" y="1941564"/>
+            <a:ext cx="5524548" cy="3665852"/>
+          </a:xfrm>
+          <a:prstGeom prst="rect">
+            <a:avLst/>
+          </a:prstGeom>
+        </p:spPr>
+      </p:pic>
+      <p:sp>
+        <p:nvSpPr>
+          <p:cNvPr id="11" name="TextBox 10">
+            <a:extLst>
+              <a:ext uri="{FF2B5EF4-FFF2-40B4-BE49-F238E27FC236}">
+                <a16:creationId xmlns:a16="http://schemas.microsoft.com/office/drawing/2014/main" id="{7315EDDF-0313-ACD2-E3F2-B85DD30215B9}"/>
               </a:ext>
             </a:extLst>
           </p:cNvPr>
@@ -16717,10 +16547,10 @@
       </p:sp>
       <p:sp>
         <p:nvSpPr>
-          <p:cNvPr id="9" name="TextBox 8">
-            <a:extLst>
-              <a:ext uri="{FF2B5EF4-FFF2-40B4-BE49-F238E27FC236}">
-                <a16:creationId xmlns:a16="http://schemas.microsoft.com/office/drawing/2014/main" id="{56E3341E-0E59-9B4C-E14E-F08EF0697076}"/>
+          <p:cNvPr id="12" name="TextBox 11">
+            <a:extLst>
+              <a:ext uri="{FF2B5EF4-FFF2-40B4-BE49-F238E27FC236}">
+                <a16:creationId xmlns:a16="http://schemas.microsoft.com/office/drawing/2014/main" id="{E8362FE8-9442-97AE-2F1F-137B27704202}"/>
               </a:ext>
             </a:extLst>
           </p:cNvPr>
@@ -16757,7 +16587,7 @@
           <p:cNvPr id="28" name="TextBox 27">
             <a:extLst>
               <a:ext uri="{FF2B5EF4-FFF2-40B4-BE49-F238E27FC236}">
-                <a16:creationId xmlns:a16="http://schemas.microsoft.com/office/drawing/2014/main" id="{ABCF2C5B-C3F8-4F75-B2FB-EE2B60F054B4}"/>
+                <a16:creationId xmlns:a16="http://schemas.microsoft.com/office/drawing/2014/main" id="{3D13771A-5859-4A45-B2EC-D780E10B7AD1}"/>
               </a:ext>
             </a:extLst>
           </p:cNvPr>
@@ -16792,7 +16622,7 @@
     </p:spTree>
     <p:extLst>
       <p:ext uri="{BB962C8B-B14F-4D97-AF65-F5344CB8AC3E}">
-        <p14:creationId xmlns:p14="http://schemas.microsoft.com/office/powerpoint/2010/main" val="3453664856"/>
+        <p14:creationId xmlns:p14="http://schemas.microsoft.com/office/powerpoint/2010/main" val="291209489"/>
       </p:ext>
     </p:extLst>
   </p:cSld>
@@ -16819,6 +16649,85 @@
           <a:chExt cx="0" cy="0"/>
         </a:xfrm>
       </p:grpSpPr>
+      <p:sp>
+        <p:nvSpPr>
+          <p:cNvPr id="2" name="כותרת 1">
+            <a:extLst>
+              <a:ext uri="{FF2B5EF4-FFF2-40B4-BE49-F238E27FC236}">
+                <a16:creationId xmlns:a16="http://schemas.microsoft.com/office/drawing/2014/main" id="{F05DF143-DAD3-F478-84CB-4191F0579509}"/>
+              </a:ext>
+            </a:extLst>
+          </p:cNvPr>
+          <p:cNvSpPr>
+            <a:spLocks noGrp="1"/>
+          </p:cNvSpPr>
+          <p:nvPr>
+            <p:ph type="title"/>
+          </p:nvPr>
+        </p:nvSpPr>
+        <p:spPr>
+          <a:xfrm>
+            <a:off x="176851" y="789544"/>
+            <a:ext cx="10515600" cy="1325563"/>
+          </a:xfrm>
+        </p:spPr>
+        <p:txBody>
+          <a:bodyPr>
+            <a:normAutofit/>
+          </a:bodyPr>
+          <a:lstStyle/>
+          <a:p>
+            <a:r>
+              <a:rPr lang="en-US" sz="4800" b="1" dirty="0">
+                <a:latin typeface="Times New Roman" panose="02020603050405020304" pitchFamily="18" charset="0"/>
+                <a:cs typeface="Times New Roman" panose="02020603050405020304" pitchFamily="18" charset="0"/>
+              </a:rPr>
+              <a:t>Algorithms Results</a:t>
+            </a:r>
+            <a:endParaRPr lang="he-IL" sz="4800" b="1" dirty="0">
+              <a:latin typeface="Times New Roman" panose="02020603050405020304" pitchFamily="18" charset="0"/>
+              <a:ea typeface="Yu Gothic Light" panose="020B0300000000000000" pitchFamily="34" charset="-128"/>
+              <a:cs typeface="Times New Roman" panose="02020603050405020304" pitchFamily="18" charset="0"/>
+            </a:endParaRPr>
+          </a:p>
+        </p:txBody>
+      </p:sp>
+      <p:pic>
+        <p:nvPicPr>
+          <p:cNvPr id="5" name="Picture 4">
+            <a:extLst>
+              <a:ext uri="{FF2B5EF4-FFF2-40B4-BE49-F238E27FC236}">
+                <a16:creationId xmlns:a16="http://schemas.microsoft.com/office/drawing/2014/main" id="{54CFBE00-45A3-0F6A-3FDB-21E8D0B12CEF}"/>
+              </a:ext>
+            </a:extLst>
+          </p:cNvPr>
+          <p:cNvPicPr>
+            <a:picLocks noChangeAspect="1"/>
+          </p:cNvPicPr>
+          <p:nvPr/>
+        </p:nvPicPr>
+        <p:blipFill>
+          <a:blip r:embed="rId3" cstate="print">
+            <a:extLst>
+              <a:ext uri="{28A0092B-C50C-407E-A947-70E740481C1C}">
+                <a14:useLocalDpi xmlns:a14="http://schemas.microsoft.com/office/drawing/2010/main" val="0"/>
+              </a:ext>
+            </a:extLst>
+          </a:blip>
+          <a:stretch>
+            <a:fillRect/>
+          </a:stretch>
+        </p:blipFill>
+        <p:spPr>
+          <a:xfrm>
+            <a:off x="0" y="85806"/>
+            <a:ext cx="3060198" cy="722377"/>
+          </a:xfrm>
+          <a:prstGeom prst="rect">
+            <a:avLst/>
+          </a:prstGeom>
+        </p:spPr>
+      </p:pic>
       <p:sp>
         <p:nvSpPr>
           <p:cNvPr id="50" name="Slide Number Placeholder 3">
@@ -17055,8 +16964,8 @@
         </p:nvSpPr>
         <p:spPr>
           <a:xfrm>
-            <a:off x="956505" y="5922990"/>
-            <a:ext cx="6369275" cy="288000"/>
+            <a:off x="956506" y="5922990"/>
+            <a:ext cx="6217462" cy="288000"/>
           </a:xfrm>
           <a:prstGeom prst="roundRect">
             <a:avLst>
@@ -17902,6 +17811,145 @@
       </p:sp>
       <p:sp>
         <p:nvSpPr>
+          <p:cNvPr id="3" name="מציין מיקום תוכן 2">
+            <a:extLst>
+              <a:ext uri="{FF2B5EF4-FFF2-40B4-BE49-F238E27FC236}">
+                <a16:creationId xmlns:a16="http://schemas.microsoft.com/office/drawing/2014/main" id="{4AE267B4-826E-EF56-5E6B-BEFF1191C500}"/>
+              </a:ext>
+            </a:extLst>
+          </p:cNvPr>
+          <p:cNvSpPr>
+            <a:spLocks noGrp="1"/>
+          </p:cNvSpPr>
+          <p:nvPr>
+            <p:ph idx="1"/>
+          </p:nvPr>
+        </p:nvSpPr>
+        <p:spPr>
+          <a:xfrm>
+            <a:off x="563889" y="2093730"/>
+            <a:ext cx="9801482" cy="3930594"/>
+          </a:xfrm>
+        </p:spPr>
+        <p:txBody>
+          <a:bodyPr>
+            <a:normAutofit/>
+          </a:bodyPr>
+          <a:lstStyle/>
+          <a:p>
+            <a:pPr algn="l" rtl="0"/>
+            <a:r>
+              <a:rPr lang="en-US" sz="2400" b="1" dirty="0">
+                <a:effectLst/>
+                <a:latin typeface="Times New Roman" panose="02020603050405020304" pitchFamily="18" charset="0"/>
+                <a:ea typeface="Calibri" panose="020F0502020204030204" pitchFamily="34" charset="0"/>
+                <a:cs typeface="Arial" panose="020B0604020202020204" pitchFamily="34" charset="0"/>
+              </a:rPr>
+              <a:t>RK4</a:t>
+            </a:r>
+            <a:r>
+              <a:rPr lang="en-US" sz="2400" dirty="0">
+                <a:effectLst/>
+                <a:latin typeface="Times New Roman" panose="02020603050405020304" pitchFamily="18" charset="0"/>
+                <a:ea typeface="Calibri" panose="020F0502020204030204" pitchFamily="34" charset="0"/>
+                <a:cs typeface="Arial" panose="020B0604020202020204" pitchFamily="34" charset="0"/>
+              </a:rPr>
+              <a:t>: showed the smallest average position difference, balancing accuracy and speed.</a:t>
+            </a:r>
+            <a:endParaRPr lang="en-US" sz="2400" dirty="0">
+              <a:effectLst/>
+              <a:latin typeface="Times New Roman" panose="02020603050405020304" pitchFamily="18" charset="0"/>
+              <a:ea typeface="Calibri" panose="020F0502020204030204" pitchFamily="34" charset="0"/>
+              <a:cs typeface="Times New Roman" panose="02020603050405020304" pitchFamily="18" charset="0"/>
+            </a:endParaRPr>
+          </a:p>
+          <a:p>
+            <a:r>
+              <a:rPr lang="en-US" sz="2400" b="1" dirty="0">
+                <a:latin typeface="Times New Roman" panose="02020603050405020304" pitchFamily="18" charset="0"/>
+                <a:cs typeface="Times New Roman" panose="02020603050405020304" pitchFamily="18" charset="0"/>
+              </a:rPr>
+              <a:t>RK8</a:t>
+            </a:r>
+            <a:r>
+              <a:rPr lang="en-US" sz="2400" dirty="0">
+                <a:latin typeface="Times New Roman" panose="02020603050405020304" pitchFamily="18" charset="0"/>
+                <a:cs typeface="Times New Roman" panose="02020603050405020304" pitchFamily="18" charset="0"/>
+              </a:rPr>
+              <a:t>: High accuracy, but with increased computational cost.</a:t>
+            </a:r>
+          </a:p>
+          <a:p>
+            <a:r>
+              <a:rPr lang="en-US" sz="2400" b="1" dirty="0">
+                <a:latin typeface="Times New Roman" panose="02020603050405020304" pitchFamily="18" charset="0"/>
+                <a:cs typeface="Times New Roman" panose="02020603050405020304" pitchFamily="18" charset="0"/>
+              </a:rPr>
+              <a:t>ODE45</a:t>
+            </a:r>
+            <a:r>
+              <a:rPr lang="en-US" sz="2400" dirty="0">
+                <a:latin typeface="Times New Roman" panose="02020603050405020304" pitchFamily="18" charset="0"/>
+                <a:cs typeface="Times New Roman" panose="02020603050405020304" pitchFamily="18" charset="0"/>
+              </a:rPr>
+              <a:t>: Efficient in terms of computation, but less accurate for satellite state propagation.</a:t>
+            </a:r>
+          </a:p>
+          <a:p>
+            <a:r>
+              <a:rPr lang="en-US" sz="2400" b="1" dirty="0">
+                <a:latin typeface="Times New Roman" panose="02020603050405020304" pitchFamily="18" charset="0"/>
+                <a:cs typeface="Times New Roman" panose="02020603050405020304" pitchFamily="18" charset="0"/>
+              </a:rPr>
+              <a:t>ODE78</a:t>
+            </a:r>
+            <a:r>
+              <a:rPr lang="en-US" sz="2400" dirty="0">
+                <a:latin typeface="Times New Roman" panose="02020603050405020304" pitchFamily="18" charset="0"/>
+                <a:cs typeface="Times New Roman" panose="02020603050405020304" pitchFamily="18" charset="0"/>
+              </a:rPr>
+              <a:t> and </a:t>
+            </a:r>
+            <a:r>
+              <a:rPr lang="en-US" sz="2400" b="1" dirty="0">
+                <a:latin typeface="Times New Roman" panose="02020603050405020304" pitchFamily="18" charset="0"/>
+                <a:cs typeface="Times New Roman" panose="02020603050405020304" pitchFamily="18" charset="0"/>
+              </a:rPr>
+              <a:t>ODE113</a:t>
+            </a:r>
+            <a:r>
+              <a:rPr lang="en-US" sz="2400" dirty="0">
+                <a:latin typeface="Times New Roman" panose="02020603050405020304" pitchFamily="18" charset="0"/>
+                <a:cs typeface="Times New Roman" panose="02020603050405020304" pitchFamily="18" charset="0"/>
+              </a:rPr>
+              <a:t>: Offered high accuracy with good computational performance, making them ideal for precise applications.</a:t>
+            </a:r>
+          </a:p>
+          <a:p>
+            <a:r>
+              <a:rPr lang="en-US" sz="2400" b="1" dirty="0">
+                <a:latin typeface="Times New Roman" panose="02020603050405020304" pitchFamily="18" charset="0"/>
+                <a:cs typeface="Times New Roman" panose="02020603050405020304" pitchFamily="18" charset="0"/>
+              </a:rPr>
+              <a:t>MPCI</a:t>
+            </a:r>
+            <a:r>
+              <a:rPr lang="en-US" sz="2400" dirty="0">
+                <a:latin typeface="Times New Roman" panose="02020603050405020304" pitchFamily="18" charset="0"/>
+                <a:cs typeface="Times New Roman" panose="02020603050405020304" pitchFamily="18" charset="0"/>
+              </a:rPr>
+              <a:t>: Provided high precision, but with longer execution times, requiring further optimization.</a:t>
+            </a:r>
+            <a:endParaRPr lang="en-US" sz="2400" dirty="0">
+              <a:latin typeface="Times New Roman" panose="02020603050405020304" pitchFamily="18" charset="0"/>
+              <a:ea typeface="Calibri" panose="020F0502020204030204" pitchFamily="34" charset="0"/>
+              <a:cs typeface="Times New Roman" panose="02020603050405020304" pitchFamily="18" charset="0"/>
+            </a:endParaRPr>
+          </a:p>
+        </p:txBody>
+      </p:sp>
+      <p:sp>
+        <p:nvSpPr>
           <p:cNvPr id="4" name="TextBox 3">
             <a:extLst>
               <a:ext uri="{FF2B5EF4-FFF2-40B4-BE49-F238E27FC236}">
@@ -17974,60 +18022,12 @@
           </a:p>
         </p:txBody>
       </p:sp>
-      <p:pic>
-        <p:nvPicPr>
-          <p:cNvPr id="30" name="תמונה 29">
-            <a:extLst>
-              <a:ext uri="{FF2B5EF4-FFF2-40B4-BE49-F238E27FC236}">
-                <a16:creationId xmlns:a16="http://schemas.microsoft.com/office/drawing/2014/main" id="{28D594E7-C65F-4272-AC7B-8FB213D4BB14}"/>
-              </a:ext>
-            </a:extLst>
-          </p:cNvPr>
-          <p:cNvPicPr/>
-          <p:nvPr/>
-        </p:nvPicPr>
-        <p:blipFill>
-          <a:blip r:embed="rId3">
-            <a:extLst>
-              <a:ext uri="{28A0092B-C50C-407E-A947-70E740481C1C}">
-                <a14:useLocalDpi xmlns:a14="http://schemas.microsoft.com/office/drawing/2010/main" val="0"/>
-              </a:ext>
-            </a:extLst>
-          </a:blip>
-          <a:stretch>
-            <a:fillRect/>
-          </a:stretch>
-        </p:blipFill>
-        <p:spPr>
-          <a:xfrm>
-            <a:off x="1693955" y="186517"/>
-            <a:ext cx="8195769" cy="5480787"/>
-          </a:xfrm>
-          <a:prstGeom prst="rect">
-            <a:avLst/>
-          </a:prstGeom>
-          <a:ln w="38100" cap="sq">
-            <a:solidFill>
-              <a:srgbClr val="000000"/>
-            </a:solidFill>
-            <a:prstDash val="solid"/>
-            <a:miter lim="800000"/>
-          </a:ln>
-          <a:effectLst>
-            <a:outerShdw blurRad="50800" dist="38100" dir="2700000" algn="tl" rotWithShape="0">
-              <a:srgbClr val="000000">
-                <a:alpha val="43000"/>
-              </a:srgbClr>
-            </a:outerShdw>
-          </a:effectLst>
-        </p:spPr>
-      </p:pic>
-      <p:sp>
-        <p:nvSpPr>
-          <p:cNvPr id="33" name="TextBox 32">
-            <a:extLst>
-              <a:ext uri="{FF2B5EF4-FFF2-40B4-BE49-F238E27FC236}">
-                <a16:creationId xmlns:a16="http://schemas.microsoft.com/office/drawing/2014/main" id="{E1E251C3-21B1-4A7F-9A9E-5AF48CF84598}"/>
+      <p:sp>
+        <p:nvSpPr>
+          <p:cNvPr id="28" name="TextBox 27">
+            <a:extLst>
+              <a:ext uri="{FF2B5EF4-FFF2-40B4-BE49-F238E27FC236}">
+                <a16:creationId xmlns:a16="http://schemas.microsoft.com/office/drawing/2014/main" id="{ABCF2C5B-C3F8-4F75-B2FB-EE2B60F054B4}"/>
               </a:ext>
             </a:extLst>
           </p:cNvPr>
@@ -18062,7 +18062,7 @@
     </p:spTree>
     <p:extLst>
       <p:ext uri="{BB962C8B-B14F-4D97-AF65-F5344CB8AC3E}">
-        <p14:creationId xmlns:p14="http://schemas.microsoft.com/office/powerpoint/2010/main" val="3480749065"/>
+        <p14:creationId xmlns:p14="http://schemas.microsoft.com/office/powerpoint/2010/main" val="3453664856"/>
       </p:ext>
     </p:extLst>
   </p:cSld>
@@ -24161,10 +24161,10 @@
       </p:grpSpPr>
       <p:pic>
         <p:nvPicPr>
-          <p:cNvPr id="4" name="Picture 3">
-            <a:extLst>
-              <a:ext uri="{FF2B5EF4-FFF2-40B4-BE49-F238E27FC236}">
-                <a16:creationId xmlns:a16="http://schemas.microsoft.com/office/drawing/2014/main" id="{363778D7-5EFF-2E06-EEC7-5D898C21A3B9}"/>
+          <p:cNvPr id="5" name="Picture 4">
+            <a:extLst>
+              <a:ext uri="{FF2B5EF4-FFF2-40B4-BE49-F238E27FC236}">
+                <a16:creationId xmlns:a16="http://schemas.microsoft.com/office/drawing/2014/main" id="{B1B71BC4-1527-A075-4306-2EE0DE595072}"/>
               </a:ext>
             </a:extLst>
           </p:cNvPr>
@@ -24174,7 +24174,37 @@
           <p:nvPr/>
         </p:nvPicPr>
         <p:blipFill>
-          <a:blip r:embed="rId2">
+          <a:blip r:embed="rId2"/>
+          <a:stretch>
+            <a:fillRect/>
+          </a:stretch>
+        </p:blipFill>
+        <p:spPr>
+          <a:xfrm>
+            <a:off x="1801233" y="332618"/>
+            <a:ext cx="7251327" cy="5312980"/>
+          </a:xfrm>
+          <a:prstGeom prst="rect">
+            <a:avLst/>
+          </a:prstGeom>
+        </p:spPr>
+      </p:pic>
+      <p:pic>
+        <p:nvPicPr>
+          <p:cNvPr id="4" name="Picture 3">
+            <a:extLst>
+              <a:ext uri="{FF2B5EF4-FFF2-40B4-BE49-F238E27FC236}">
+                <a16:creationId xmlns:a16="http://schemas.microsoft.com/office/drawing/2014/main" id="{363778D7-5EFF-2E06-EEC7-5D898C21A3B9}"/>
+              </a:ext>
+            </a:extLst>
+          </p:cNvPr>
+          <p:cNvPicPr>
+            <a:picLocks noChangeAspect="1"/>
+          </p:cNvPicPr>
+          <p:nvPr/>
+        </p:nvPicPr>
+        <p:blipFill>
+          <a:blip r:embed="rId3">
             <a:extLst>
               <a:ext uri="{28A0092B-C50C-407E-A947-70E740481C1C}">
                 <a14:useLocalDpi xmlns:a14="http://schemas.microsoft.com/office/drawing/2010/main" val="0"/>
@@ -24189,42 +24219,6 @@
           <a:xfrm>
             <a:off x="189209" y="145985"/>
             <a:ext cx="3060198" cy="722377"/>
-          </a:xfrm>
-          <a:prstGeom prst="rect">
-            <a:avLst/>
-          </a:prstGeom>
-        </p:spPr>
-      </p:pic>
-      <p:pic>
-        <p:nvPicPr>
-          <p:cNvPr id="29" name="תמונה 28">
-            <a:extLst>
-              <a:ext uri="{FF2B5EF4-FFF2-40B4-BE49-F238E27FC236}">
-                <a16:creationId xmlns:a16="http://schemas.microsoft.com/office/drawing/2014/main" id="{1C4A6248-7560-4094-B21B-4E3067F68489}"/>
-              </a:ext>
-            </a:extLst>
-          </p:cNvPr>
-          <p:cNvPicPr>
-            <a:picLocks noChangeAspect="1"/>
-          </p:cNvPicPr>
-          <p:nvPr/>
-        </p:nvPicPr>
-        <p:blipFill>
-          <a:blip r:embed="rId3">
-            <a:extLst>
-              <a:ext uri="{28A0092B-C50C-407E-A947-70E740481C1C}">
-                <a14:useLocalDpi xmlns:a14="http://schemas.microsoft.com/office/drawing/2010/main" val="0"/>
-              </a:ext>
-            </a:extLst>
-          </a:blip>
-          <a:stretch>
-            <a:fillRect/>
-          </a:stretch>
-        </p:blipFill>
-        <p:spPr>
-          <a:xfrm>
-            <a:off x="575896" y="1023350"/>
-            <a:ext cx="10582933" cy="4689879"/>
           </a:xfrm>
           <a:prstGeom prst="rect">
             <a:avLst/>

--- a/project/Project presenation/Project Final A.pptx
+++ b/project/Project presenation/Project Final A.pptx
@@ -217,7 +217,7 @@
           <a:p>
             <a:fld id="{9782C575-03A1-41E5-8DAB-28FF6A18294E}" type="datetimeFigureOut">
               <a:rPr lang="en-US" smtClean="0"/>
-              <a:t>9/9/2024</a:t>
+              <a:t>9/20/2024</a:t>
             </a:fld>
             <a:endParaRPr lang="en-US"/>
           </a:p>
@@ -2143,7 +2143,7 @@
           <a:p>
             <a:fld id="{B59CE501-2A04-4213-AF2C-9D22AC1421F1}" type="datetimeFigureOut">
               <a:rPr lang="en-US" smtClean="0"/>
-              <a:t>9/9/2024</a:t>
+              <a:t>9/20/2024</a:t>
             </a:fld>
             <a:endParaRPr lang="en-US"/>
           </a:p>
@@ -2341,7 +2341,7 @@
           <a:p>
             <a:fld id="{B59CE501-2A04-4213-AF2C-9D22AC1421F1}" type="datetimeFigureOut">
               <a:rPr lang="en-US" smtClean="0"/>
-              <a:t>9/9/2024</a:t>
+              <a:t>9/20/2024</a:t>
             </a:fld>
             <a:endParaRPr lang="en-US"/>
           </a:p>
@@ -2549,7 +2549,7 @@
           <a:p>
             <a:fld id="{B59CE501-2A04-4213-AF2C-9D22AC1421F1}" type="datetimeFigureOut">
               <a:rPr lang="en-US" smtClean="0"/>
-              <a:t>9/9/2024</a:t>
+              <a:t>9/20/2024</a:t>
             </a:fld>
             <a:endParaRPr lang="en-US"/>
           </a:p>
@@ -2747,7 +2747,7 @@
           <a:p>
             <a:fld id="{B59CE501-2A04-4213-AF2C-9D22AC1421F1}" type="datetimeFigureOut">
               <a:rPr lang="en-US" smtClean="0"/>
-              <a:t>9/9/2024</a:t>
+              <a:t>9/20/2024</a:t>
             </a:fld>
             <a:endParaRPr lang="en-US"/>
           </a:p>
@@ -3022,7 +3022,7 @@
           <a:p>
             <a:fld id="{B59CE501-2A04-4213-AF2C-9D22AC1421F1}" type="datetimeFigureOut">
               <a:rPr lang="en-US" smtClean="0"/>
-              <a:t>9/9/2024</a:t>
+              <a:t>9/20/2024</a:t>
             </a:fld>
             <a:endParaRPr lang="en-US"/>
           </a:p>
@@ -3287,7 +3287,7 @@
           <a:p>
             <a:fld id="{B59CE501-2A04-4213-AF2C-9D22AC1421F1}" type="datetimeFigureOut">
               <a:rPr lang="en-US" smtClean="0"/>
-              <a:t>9/9/2024</a:t>
+              <a:t>9/20/2024</a:t>
             </a:fld>
             <a:endParaRPr lang="en-US"/>
           </a:p>
@@ -3699,7 +3699,7 @@
           <a:p>
             <a:fld id="{B59CE501-2A04-4213-AF2C-9D22AC1421F1}" type="datetimeFigureOut">
               <a:rPr lang="en-US" smtClean="0"/>
-              <a:t>9/9/2024</a:t>
+              <a:t>9/20/2024</a:t>
             </a:fld>
             <a:endParaRPr lang="en-US"/>
           </a:p>
@@ -3840,7 +3840,7 @@
           <a:p>
             <a:fld id="{B59CE501-2A04-4213-AF2C-9D22AC1421F1}" type="datetimeFigureOut">
               <a:rPr lang="en-US" smtClean="0"/>
-              <a:t>9/9/2024</a:t>
+              <a:t>9/20/2024</a:t>
             </a:fld>
             <a:endParaRPr lang="en-US"/>
           </a:p>
@@ -3953,7 +3953,7 @@
           <a:p>
             <a:fld id="{B59CE501-2A04-4213-AF2C-9D22AC1421F1}" type="datetimeFigureOut">
               <a:rPr lang="en-US" smtClean="0"/>
-              <a:t>9/9/2024</a:t>
+              <a:t>9/20/2024</a:t>
             </a:fld>
             <a:endParaRPr lang="en-US"/>
           </a:p>
@@ -4264,7 +4264,7 @@
           <a:p>
             <a:fld id="{B59CE501-2A04-4213-AF2C-9D22AC1421F1}" type="datetimeFigureOut">
               <a:rPr lang="en-US" smtClean="0"/>
-              <a:t>9/9/2024</a:t>
+              <a:t>9/20/2024</a:t>
             </a:fld>
             <a:endParaRPr lang="en-US"/>
           </a:p>
@@ -4552,7 +4552,7 @@
           <a:p>
             <a:fld id="{B59CE501-2A04-4213-AF2C-9D22AC1421F1}" type="datetimeFigureOut">
               <a:rPr lang="en-US" smtClean="0"/>
-              <a:t>9/9/2024</a:t>
+              <a:t>9/20/2024</a:t>
             </a:fld>
             <a:endParaRPr lang="en-US"/>
           </a:p>
@@ -4793,7 +4793,7 @@
           <a:p>
             <a:fld id="{B59CE501-2A04-4213-AF2C-9D22AC1421F1}" type="datetimeFigureOut">
               <a:rPr lang="en-US" smtClean="0"/>
-              <a:t>9/9/2024</a:t>
+              <a:t>9/20/2024</a:t>
             </a:fld>
             <a:endParaRPr lang="en-US"/>
           </a:p>
@@ -17922,7 +17922,7 @@
                 <a:latin typeface="Times New Roman" panose="02020603050405020304" pitchFamily="18" charset="0"/>
                 <a:cs typeface="Times New Roman" panose="02020603050405020304" pitchFamily="18" charset="0"/>
               </a:rPr>
-              <a:t>: Offered high accuracy with good computational performance, making them ideal for precise applications.</a:t>
+              <a:t>: Offered high accuracy with good computational performance.</a:t>
             </a:r>
           </a:p>
           <a:p>
@@ -17938,7 +17938,7 @@
                 <a:latin typeface="Times New Roman" panose="02020603050405020304" pitchFamily="18" charset="0"/>
                 <a:cs typeface="Times New Roman" panose="02020603050405020304" pitchFamily="18" charset="0"/>
               </a:rPr>
-              <a:t>: Provided high precision, but with longer execution times, requiring further optimization.</a:t>
+              <a:t>: Provided high precision, but with longer execution times, requiring optimization.</a:t>
             </a:r>
             <a:endParaRPr lang="en-US" sz="2400" dirty="0">
               <a:latin typeface="Times New Roman" panose="02020603050405020304" pitchFamily="18" charset="0"/>
@@ -19299,7 +19299,7 @@
                 <a:latin typeface="Times New Roman" panose="02020603050405020304" pitchFamily="18" charset="0"/>
                 <a:cs typeface="Times New Roman" panose="02020603050405020304" pitchFamily="18" charset="0"/>
               </a:rPr>
-              <a:t> provides excellent precision but requires further optimization for real-time use.</a:t>
+              <a:t> provides strong precision but requires optimization for real-time use.</a:t>
             </a:r>
           </a:p>
           <a:p>
@@ -19329,7 +19329,7 @@
                 <a:latin typeface="Times New Roman" panose="02020603050405020304" pitchFamily="18" charset="0"/>
                 <a:cs typeface="Times New Roman" panose="02020603050405020304" pitchFamily="18" charset="0"/>
               </a:rPr>
-              <a:t> offer strong accuracy and performance, making them suitable for both real-time and extended simulation tasks.</a:t>
+              <a:t> offer good accuracy and performance.</a:t>
             </a:r>
             <a:endParaRPr lang="en-US" sz="2400" dirty="0">
               <a:latin typeface="Times New Roman" panose="02020603050405020304" pitchFamily="18" charset="0"/>
@@ -25468,10 +25468,10 @@
           <a:lstStyle/>
           <a:p>
             <a:r>
-              <a:rPr lang="en-US" sz="1800"/>
-              <a:t>LEMUR2[green] – COSMOS[blue]</a:t>
-            </a:r>
-            <a:endParaRPr lang="en-IL"/>
+              <a:rPr lang="en-US" sz="1800" dirty="0"/>
+              <a:t>LEMUR2[green] – COSMOS[red]</a:t>
+            </a:r>
+            <a:endParaRPr lang="en-IL" dirty="0"/>
           </a:p>
         </p:txBody>
       </p:sp>
